--- a/AIP/Slides/Week 2/Improving Search 05 - Landmark Search.pptx
+++ b/AIP/Slides/Week 2/Improving Search 05 - Landmark Search.pptx
@@ -1082,7 +1082,7 @@
           <a:p>
             <a:fld id="{163B7FA9-1012-492B-84A5-DB45D8DA0564}" type="datetimeFigureOut">
               <a:rPr lang="en-GB" smtClean="0"/>
-              <a:t>16/09/2020</a:t>
+              <a:t>01/01/2021</a:t>
             </a:fld>
             <a:endParaRPr lang="en-GB"/>
           </a:p>
@@ -11575,7 +11575,7 @@
               <a:pPr>
                 <a:defRPr/>
               </a:pPr>
-              <a:t>9/16/2020</a:t>
+              <a:t>1/1/2021</a:t>
             </a:fld>
             <a:endParaRPr lang="en-GB" dirty="0"/>
           </a:p>
@@ -11772,7 +11772,7 @@
               <a:pPr>
                 <a:defRPr/>
               </a:pPr>
-              <a:t>9/16/2020</a:t>
+              <a:t>1/1/2021</a:t>
             </a:fld>
             <a:endParaRPr lang="en-GB" dirty="0"/>
           </a:p>
@@ -12041,7 +12041,7 @@
               <a:pPr>
                 <a:defRPr/>
               </a:pPr>
-              <a:t>9/16/2020</a:t>
+              <a:t>1/1/2021</a:t>
             </a:fld>
             <a:endParaRPr lang="en-GB" dirty="0"/>
           </a:p>
@@ -12533,7 +12533,7 @@
               <a:pPr>
                 <a:defRPr/>
               </a:pPr>
-              <a:t>9/16/2020</a:t>
+              <a:t>1/1/2021</a:t>
             </a:fld>
             <a:endParaRPr lang="en-GB" dirty="0"/>
           </a:p>
@@ -12806,7 +12806,7 @@
               <a:pPr>
                 <a:defRPr/>
               </a:pPr>
-              <a:t>9/16/2020</a:t>
+              <a:t>1/1/2021</a:t>
             </a:fld>
             <a:endParaRPr lang="en-GB" dirty="0"/>
           </a:p>
@@ -13121,7 +13121,7 @@
               <a:pPr>
                 <a:defRPr/>
               </a:pPr>
-              <a:t>9/16/2020</a:t>
+              <a:t>1/1/2021</a:t>
             </a:fld>
             <a:endParaRPr lang="en-GB" dirty="0"/>
           </a:p>
@@ -13570,7 +13570,7 @@
               <a:pPr>
                 <a:defRPr/>
               </a:pPr>
-              <a:t>9/16/2020</a:t>
+              <a:t>1/1/2021</a:t>
             </a:fld>
             <a:endParaRPr lang="en-GB" dirty="0"/>
           </a:p>
@@ -13715,7 +13715,7 @@
               <a:pPr>
                 <a:defRPr/>
               </a:pPr>
-              <a:t>9/16/2020</a:t>
+              <a:t>1/1/2021</a:t>
             </a:fld>
             <a:endParaRPr lang="en-GB" dirty="0"/>
           </a:p>
@@ -13837,7 +13837,7 @@
               <a:pPr>
                 <a:defRPr/>
               </a:pPr>
-              <a:t>9/16/2020</a:t>
+              <a:t>1/1/2021</a:t>
             </a:fld>
             <a:endParaRPr lang="en-GB" dirty="0"/>
           </a:p>
@@ -14141,7 +14141,7 @@
               <a:pPr>
                 <a:defRPr/>
               </a:pPr>
-              <a:t>9/16/2020</a:t>
+              <a:t>1/1/2021</a:t>
             </a:fld>
             <a:endParaRPr lang="en-GB" dirty="0"/>
           </a:p>
@@ -14424,7 +14424,7 @@
               <a:pPr>
                 <a:defRPr/>
               </a:pPr>
-              <a:t>9/16/2020</a:t>
+              <a:t>1/1/2021</a:t>
             </a:fld>
             <a:endParaRPr lang="en-GB" dirty="0"/>
           </a:p>
@@ -14621,7 +14621,7 @@
               <a:pPr>
                 <a:defRPr/>
               </a:pPr>
-              <a:t>9/16/2020</a:t>
+              <a:t>1/1/2021</a:t>
             </a:fld>
             <a:endParaRPr lang="en-GB" dirty="0"/>
           </a:p>
@@ -14828,7 +14828,7 @@
               <a:pPr>
                 <a:defRPr/>
               </a:pPr>
-              <a:t>9/16/2020</a:t>
+              <a:t>1/1/2021</a:t>
             </a:fld>
             <a:endParaRPr lang="en-GB" dirty="0"/>
           </a:p>
@@ -17783,7 +17783,7 @@
               <a:pPr>
                 <a:defRPr/>
               </a:pPr>
-              <a:t>9/16/2020</a:t>
+              <a:t>1/1/2021</a:t>
             </a:fld>
             <a:endParaRPr lang="en-GB" dirty="0"/>
           </a:p>
@@ -18699,31 +18699,6 @@
       </p:pic>
       <p:sp>
         <p:nvSpPr>
-          <p:cNvPr id="3" name="Content Placeholder 2">
-            <a:extLst>
-              <a:ext uri="{FF2B5EF4-FFF2-40B4-BE49-F238E27FC236}">
-                <a16:creationId xmlns:a16="http://schemas.microsoft.com/office/drawing/2014/main" id="{A9991FE8-B86D-4328-A687-8EA96FA3F4A9}"/>
-              </a:ext>
-            </a:extLst>
-          </p:cNvPr>
-          <p:cNvSpPr>
-            <a:spLocks noGrp="1"/>
-          </p:cNvSpPr>
-          <p:nvPr>
-            <p:ph sz="quarter" idx="12"/>
-          </p:nvPr>
-        </p:nvSpPr>
-        <p:spPr/>
-        <p:txBody>
-          <a:bodyPr/>
-          <a:lstStyle/>
-          <a:p>
-            <a:endParaRPr lang="en-GB"/>
-          </a:p>
-        </p:txBody>
-      </p:sp>
-      <p:sp>
-        <p:nvSpPr>
           <p:cNvPr id="6" name="Title 1">
             <a:extLst>
               <a:ext uri="{FF2B5EF4-FFF2-40B4-BE49-F238E27FC236}">
@@ -18863,31 +18838,6 @@
       </p:pic>
       <p:sp>
         <p:nvSpPr>
-          <p:cNvPr id="3" name="Content Placeholder 2">
-            <a:extLst>
-              <a:ext uri="{FF2B5EF4-FFF2-40B4-BE49-F238E27FC236}">
-                <a16:creationId xmlns:a16="http://schemas.microsoft.com/office/drawing/2014/main" id="{BBAB053B-511D-4002-A010-29067EEC7515}"/>
-              </a:ext>
-            </a:extLst>
-          </p:cNvPr>
-          <p:cNvSpPr>
-            <a:spLocks noGrp="1"/>
-          </p:cNvSpPr>
-          <p:nvPr>
-            <p:ph sz="quarter" idx="12"/>
-          </p:nvPr>
-        </p:nvSpPr>
-        <p:spPr/>
-        <p:txBody>
-          <a:bodyPr/>
-          <a:lstStyle/>
-          <a:p>
-            <a:endParaRPr lang="en-GB"/>
-          </a:p>
-        </p:txBody>
-      </p:sp>
-      <p:sp>
-        <p:nvSpPr>
           <p:cNvPr id="6" name="Title 1">
             <a:extLst>
               <a:ext uri="{FF2B5EF4-FFF2-40B4-BE49-F238E27FC236}">
@@ -19196,31 +19146,6 @@
           </a:p>
         </p:txBody>
       </p:sp>
-      <p:sp>
-        <p:nvSpPr>
-          <p:cNvPr id="2" name="Content Placeholder 1">
-            <a:extLst>
-              <a:ext uri="{FF2B5EF4-FFF2-40B4-BE49-F238E27FC236}">
-                <a16:creationId xmlns:a16="http://schemas.microsoft.com/office/drawing/2014/main" id="{748B0D2C-6E40-4146-BCBC-3FFD369E3843}"/>
-              </a:ext>
-            </a:extLst>
-          </p:cNvPr>
-          <p:cNvSpPr>
-            <a:spLocks noGrp="1"/>
-          </p:cNvSpPr>
-          <p:nvPr>
-            <p:ph sz="quarter" idx="12"/>
-          </p:nvPr>
-        </p:nvSpPr>
-        <p:spPr/>
-        <p:txBody>
-          <a:bodyPr/>
-          <a:lstStyle/>
-          <a:p>
-            <a:endParaRPr lang="en-GB"/>
-          </a:p>
-        </p:txBody>
-      </p:sp>
       <p:pic>
         <p:nvPicPr>
           <p:cNvPr id="25603" name="Picture 3">
@@ -19348,31 +19273,6 @@
           </a:p>
         </p:txBody>
       </p:sp>
-      <p:sp>
-        <p:nvSpPr>
-          <p:cNvPr id="2" name="Content Placeholder 1">
-            <a:extLst>
-              <a:ext uri="{FF2B5EF4-FFF2-40B4-BE49-F238E27FC236}">
-                <a16:creationId xmlns:a16="http://schemas.microsoft.com/office/drawing/2014/main" id="{E7B5DBDF-33A3-4F28-A981-4BA33A9268AE}"/>
-              </a:ext>
-            </a:extLst>
-          </p:cNvPr>
-          <p:cNvSpPr>
-            <a:spLocks noGrp="1"/>
-          </p:cNvSpPr>
-          <p:nvPr>
-            <p:ph sz="quarter" idx="12"/>
-          </p:nvPr>
-        </p:nvSpPr>
-        <p:spPr/>
-        <p:txBody>
-          <a:bodyPr/>
-          <a:lstStyle/>
-          <a:p>
-            <a:endParaRPr lang="en-GB"/>
-          </a:p>
-        </p:txBody>
-      </p:sp>
       <p:pic>
         <p:nvPicPr>
           <p:cNvPr id="26627" name="Picture 2">
@@ -19500,31 +19400,6 @@
           </a:p>
         </p:txBody>
       </p:sp>
-      <p:sp>
-        <p:nvSpPr>
-          <p:cNvPr id="2" name="Content Placeholder 1">
-            <a:extLst>
-              <a:ext uri="{FF2B5EF4-FFF2-40B4-BE49-F238E27FC236}">
-                <a16:creationId xmlns:a16="http://schemas.microsoft.com/office/drawing/2014/main" id="{3556397E-6FE6-43BC-8052-61076A3DB23E}"/>
-              </a:ext>
-            </a:extLst>
-          </p:cNvPr>
-          <p:cNvSpPr>
-            <a:spLocks noGrp="1"/>
-          </p:cNvSpPr>
-          <p:nvPr>
-            <p:ph sz="quarter" idx="12"/>
-          </p:nvPr>
-        </p:nvSpPr>
-        <p:spPr/>
-        <p:txBody>
-          <a:bodyPr/>
-          <a:lstStyle/>
-          <a:p>
-            <a:endParaRPr lang="en-GB"/>
-          </a:p>
-        </p:txBody>
-      </p:sp>
       <p:pic>
         <p:nvPicPr>
           <p:cNvPr id="27651" name="Picture 2">
@@ -19652,31 +19527,6 @@
           </a:p>
         </p:txBody>
       </p:sp>
-      <p:sp>
-        <p:nvSpPr>
-          <p:cNvPr id="2" name="Content Placeholder 1">
-            <a:extLst>
-              <a:ext uri="{FF2B5EF4-FFF2-40B4-BE49-F238E27FC236}">
-                <a16:creationId xmlns:a16="http://schemas.microsoft.com/office/drawing/2014/main" id="{232E7F74-83A4-4BB7-8FB0-D41F4E786F3A}"/>
-              </a:ext>
-            </a:extLst>
-          </p:cNvPr>
-          <p:cNvSpPr>
-            <a:spLocks noGrp="1"/>
-          </p:cNvSpPr>
-          <p:nvPr>
-            <p:ph sz="quarter" idx="12"/>
-          </p:nvPr>
-        </p:nvSpPr>
-        <p:spPr/>
-        <p:txBody>
-          <a:bodyPr/>
-          <a:lstStyle/>
-          <a:p>
-            <a:endParaRPr lang="en-GB"/>
-          </a:p>
-        </p:txBody>
-      </p:sp>
       <p:pic>
         <p:nvPicPr>
           <p:cNvPr id="28675" name="Picture 2">
@@ -19804,31 +19654,6 @@
           </a:p>
         </p:txBody>
       </p:sp>
-      <p:sp>
-        <p:nvSpPr>
-          <p:cNvPr id="2" name="Content Placeholder 1">
-            <a:extLst>
-              <a:ext uri="{FF2B5EF4-FFF2-40B4-BE49-F238E27FC236}">
-                <a16:creationId xmlns:a16="http://schemas.microsoft.com/office/drawing/2014/main" id="{0DDADBB6-228A-473E-9A44-3FC8F3C14898}"/>
-              </a:ext>
-            </a:extLst>
-          </p:cNvPr>
-          <p:cNvSpPr>
-            <a:spLocks noGrp="1"/>
-          </p:cNvSpPr>
-          <p:nvPr>
-            <p:ph sz="quarter" idx="12"/>
-          </p:nvPr>
-        </p:nvSpPr>
-        <p:spPr/>
-        <p:txBody>
-          <a:bodyPr/>
-          <a:lstStyle/>
-          <a:p>
-            <a:endParaRPr lang="en-GB"/>
-          </a:p>
-        </p:txBody>
-      </p:sp>
       <p:pic>
         <p:nvPicPr>
           <p:cNvPr id="29699" name="Picture 2">
@@ -19956,31 +19781,6 @@
           </a:p>
         </p:txBody>
       </p:sp>
-      <p:sp>
-        <p:nvSpPr>
-          <p:cNvPr id="2" name="Content Placeholder 1">
-            <a:extLst>
-              <a:ext uri="{FF2B5EF4-FFF2-40B4-BE49-F238E27FC236}">
-                <a16:creationId xmlns:a16="http://schemas.microsoft.com/office/drawing/2014/main" id="{05D1F830-2042-4B5D-A501-4CACE18B8774}"/>
-              </a:ext>
-            </a:extLst>
-          </p:cNvPr>
-          <p:cNvSpPr>
-            <a:spLocks noGrp="1"/>
-          </p:cNvSpPr>
-          <p:nvPr>
-            <p:ph sz="quarter" idx="12"/>
-          </p:nvPr>
-        </p:nvSpPr>
-        <p:spPr/>
-        <p:txBody>
-          <a:bodyPr/>
-          <a:lstStyle/>
-          <a:p>
-            <a:endParaRPr lang="en-GB"/>
-          </a:p>
-        </p:txBody>
-      </p:sp>
       <p:pic>
         <p:nvPicPr>
           <p:cNvPr id="30723" name="Picture 2">
@@ -20105,31 +19905,6 @@
               <a:t>c/o Erez Karpas</a:t>
             </a:r>
             <a:endParaRPr lang="en-GB" altLang="en-US" sz="2400"/>
-          </a:p>
-        </p:txBody>
-      </p:sp>
-      <p:sp>
-        <p:nvSpPr>
-          <p:cNvPr id="2" name="Content Placeholder 1">
-            <a:extLst>
-              <a:ext uri="{FF2B5EF4-FFF2-40B4-BE49-F238E27FC236}">
-                <a16:creationId xmlns:a16="http://schemas.microsoft.com/office/drawing/2014/main" id="{6766926D-34F2-46EE-B2BE-C2E417228062}"/>
-              </a:ext>
-            </a:extLst>
-          </p:cNvPr>
-          <p:cNvSpPr>
-            <a:spLocks noGrp="1"/>
-          </p:cNvSpPr>
-          <p:nvPr>
-            <p:ph sz="quarter" idx="12"/>
-          </p:nvPr>
-        </p:nvSpPr>
-        <p:spPr/>
-        <p:txBody>
-          <a:bodyPr/>
-          <a:lstStyle/>
-          <a:p>
-            <a:endParaRPr lang="en-GB"/>
           </a:p>
         </p:txBody>
       </p:sp>
@@ -21042,7 +20817,7 @@
           <a:p>
             <a:pPr eaLnBrk="1" hangingPunct="1"/>
             <a:r>
-              <a:rPr lang="en-GB" altLang="en-US"/>
+              <a:rPr lang="en-GB" altLang="en-US" dirty="0"/>
               <a:t>Computing LM-Count</a:t>
             </a:r>
           </a:p>
@@ -22046,31 +21821,6 @@
           </a:extLst>
         </p:spPr>
       </p:pic>
-      <p:sp>
-        <p:nvSpPr>
-          <p:cNvPr id="7" name="Content Placeholder 6">
-            <a:extLst>
-              <a:ext uri="{FF2B5EF4-FFF2-40B4-BE49-F238E27FC236}">
-                <a16:creationId xmlns:a16="http://schemas.microsoft.com/office/drawing/2014/main" id="{1D5A6579-EE0E-4BD2-863D-10CBB18BF467}"/>
-              </a:ext>
-            </a:extLst>
-          </p:cNvPr>
-          <p:cNvSpPr>
-            <a:spLocks noGrp="1"/>
-          </p:cNvSpPr>
-          <p:nvPr>
-            <p:ph sz="quarter" idx="12"/>
-          </p:nvPr>
-        </p:nvSpPr>
-        <p:spPr/>
-        <p:txBody>
-          <a:bodyPr/>
-          <a:lstStyle/>
-          <a:p>
-            <a:endParaRPr lang="en-GB"/>
-          </a:p>
-        </p:txBody>
-      </p:sp>
       <p:pic>
         <p:nvPicPr>
           <p:cNvPr id="8" name="Content Placeholder 4">
@@ -22668,31 +22418,6 @@
           </a:p>
         </p:txBody>
       </p:sp>
-      <p:sp>
-        <p:nvSpPr>
-          <p:cNvPr id="2" name="Content Placeholder 1">
-            <a:extLst>
-              <a:ext uri="{FF2B5EF4-FFF2-40B4-BE49-F238E27FC236}">
-                <a16:creationId xmlns:a16="http://schemas.microsoft.com/office/drawing/2014/main" id="{0A699002-4CEB-45C7-A943-F426D812CC80}"/>
-              </a:ext>
-            </a:extLst>
-          </p:cNvPr>
-          <p:cNvSpPr>
-            <a:spLocks noGrp="1"/>
-          </p:cNvSpPr>
-          <p:nvPr>
-            <p:ph sz="quarter" idx="12"/>
-          </p:nvPr>
-        </p:nvSpPr>
-        <p:spPr/>
-        <p:txBody>
-          <a:bodyPr/>
-          <a:lstStyle/>
-          <a:p>
-            <a:endParaRPr lang="en-GB"/>
-          </a:p>
-        </p:txBody>
-      </p:sp>
       <p:pic>
         <p:nvPicPr>
           <p:cNvPr id="18435" name="Picture 4">
@@ -22781,31 +22506,6 @@
           <a:chExt cx="0" cy="0"/>
         </a:xfrm>
       </p:grpSpPr>
-      <p:sp>
-        <p:nvSpPr>
-          <p:cNvPr id="3" name="Content Placeholder 2">
-            <a:extLst>
-              <a:ext uri="{FF2B5EF4-FFF2-40B4-BE49-F238E27FC236}">
-                <a16:creationId xmlns:a16="http://schemas.microsoft.com/office/drawing/2014/main" id="{BC6390E8-147D-431F-A68C-8667BCE1BCE7}"/>
-              </a:ext>
-            </a:extLst>
-          </p:cNvPr>
-          <p:cNvSpPr>
-            <a:spLocks noGrp="1"/>
-          </p:cNvSpPr>
-          <p:nvPr>
-            <p:ph sz="quarter" idx="12"/>
-          </p:nvPr>
-        </p:nvSpPr>
-        <p:spPr/>
-        <p:txBody>
-          <a:bodyPr/>
-          <a:lstStyle/>
-          <a:p>
-            <a:endParaRPr lang="en-GB"/>
-          </a:p>
-        </p:txBody>
-      </p:sp>
       <p:pic>
         <p:nvPicPr>
           <p:cNvPr id="19459" name="Picture 3">
@@ -23007,31 +22707,6 @@
       </p:pic>
       <p:sp>
         <p:nvSpPr>
-          <p:cNvPr id="3" name="Content Placeholder 2">
-            <a:extLst>
-              <a:ext uri="{FF2B5EF4-FFF2-40B4-BE49-F238E27FC236}">
-                <a16:creationId xmlns:a16="http://schemas.microsoft.com/office/drawing/2014/main" id="{7FC85618-EDAB-4D47-B629-1BEAD720723D}"/>
-              </a:ext>
-            </a:extLst>
-          </p:cNvPr>
-          <p:cNvSpPr>
-            <a:spLocks noGrp="1"/>
-          </p:cNvSpPr>
-          <p:nvPr>
-            <p:ph sz="quarter" idx="12"/>
-          </p:nvPr>
-        </p:nvSpPr>
-        <p:spPr/>
-        <p:txBody>
-          <a:bodyPr/>
-          <a:lstStyle/>
-          <a:p>
-            <a:endParaRPr lang="en-GB" dirty="0"/>
-          </a:p>
-        </p:txBody>
-      </p:sp>
-      <p:sp>
-        <p:nvSpPr>
           <p:cNvPr id="6" name="Title 1">
             <a:extLst>
               <a:ext uri="{FF2B5EF4-FFF2-40B4-BE49-F238E27FC236}">
@@ -23169,31 +22844,6 @@
           </a:extLst>
         </p:spPr>
       </p:pic>
-      <p:sp>
-        <p:nvSpPr>
-          <p:cNvPr id="3" name="Content Placeholder 2">
-            <a:extLst>
-              <a:ext uri="{FF2B5EF4-FFF2-40B4-BE49-F238E27FC236}">
-                <a16:creationId xmlns:a16="http://schemas.microsoft.com/office/drawing/2014/main" id="{DFEB9996-482C-4180-8E2F-731B1D1E6F5E}"/>
-              </a:ext>
-            </a:extLst>
-          </p:cNvPr>
-          <p:cNvSpPr>
-            <a:spLocks noGrp="1"/>
-          </p:cNvSpPr>
-          <p:nvPr>
-            <p:ph sz="quarter" idx="12"/>
-          </p:nvPr>
-        </p:nvSpPr>
-        <p:spPr/>
-        <p:txBody>
-          <a:bodyPr/>
-          <a:lstStyle/>
-          <a:p>
-            <a:endParaRPr lang="en-GB"/>
-          </a:p>
-        </p:txBody>
-      </p:sp>
       <p:sp>
         <p:nvSpPr>
           <p:cNvPr id="6" name="Title 1">
@@ -24112,6 +23762,12 @@
 </file>
 
 <file path=customXml/item1.xml><?xml version="1.0" encoding="utf-8"?>
+<p:properties xmlns:p="http://schemas.microsoft.com/office/2006/metadata/properties" xmlns:xsi="http://www.w3.org/2001/XMLSchema-instance" xmlns:pc="http://schemas.microsoft.com/office/infopath/2007/PartnerControls">
+  <documentManagement/>
+</p:properties>
+</file>
+
+<file path=customXml/item2.xml><?xml version="1.0" encoding="utf-8"?>
 <ct:contentTypeSchema xmlns:ct="http://schemas.microsoft.com/office/2006/metadata/contentType" xmlns:ma="http://schemas.microsoft.com/office/2006/metadata/properties/metaAttributes" ct:_="" ma:_="" ma:contentTypeName="Document" ma:contentTypeID="0x010100ED59FB2E35D22949B1DD8F65F2E558A2" ma:contentTypeVersion="11" ma:contentTypeDescription="Create a new document." ma:contentTypeScope="" ma:versionID="1614996fb8b880f8bc9f9831bde38a34">
   <xsd:schema xmlns:xsd="http://www.w3.org/2001/XMLSchema" xmlns:xs="http://www.w3.org/2001/XMLSchema" xmlns:p="http://schemas.microsoft.com/office/2006/metadata/properties" xmlns:ns3="e3d1bf5a-5624-430e-ba28-4c7f967a2bc8" xmlns:ns4="a340aef7-832b-40a8-b4ba-ce4d8dbdbf60" targetNamespace="http://schemas.microsoft.com/office/2006/metadata/properties" ma:root="true" ma:fieldsID="0e00925a6f55710d239fbbe137812bdf" ns3:_="" ns4:_="">
     <xsd:import namespace="e3d1bf5a-5624-430e-ba28-4c7f967a2bc8"/>
@@ -24322,12 +23978,6 @@
 </ct:contentTypeSchema>
 </file>
 
-<file path=customXml/item2.xml><?xml version="1.0" encoding="utf-8"?>
-<p:properties xmlns:p="http://schemas.microsoft.com/office/2006/metadata/properties" xmlns:xsi="http://www.w3.org/2001/XMLSchema-instance" xmlns:pc="http://schemas.microsoft.com/office/infopath/2007/PartnerControls">
-  <documentManagement/>
-</p:properties>
-</file>
-
 <file path=customXml/item3.xml><?xml version="1.0" encoding="utf-8"?>
 <?mso-contentType ?>
 <FormTemplates xmlns="http://schemas.microsoft.com/sharepoint/v3/contenttype/forms">
@@ -24338,6 +23988,16 @@
 </file>
 
 <file path=customXml/itemProps1.xml><?xml version="1.0" encoding="utf-8"?>
+<ds:datastoreItem xmlns:ds="http://schemas.openxmlformats.org/officeDocument/2006/customXml" ds:itemID="{C4C5424E-11EC-453A-9C9B-9573452133F0}">
+  <ds:schemaRefs>
+    <ds:schemaRef ds:uri="http://schemas.microsoft.com/office/2006/metadata/properties"/>
+    <ds:schemaRef ds:uri="http://www.w3.org/2000/xmlns/"/>
+    <ds:schemaRef ds:uri="http://schemas.microsoft.com/office/infopath/2007/PartnerControls"/>
+  </ds:schemaRefs>
+</ds:datastoreItem>
+</file>
+
+<file path=customXml/itemProps2.xml><?xml version="1.0" encoding="utf-8"?>
 <ds:datastoreItem xmlns:ds="http://schemas.openxmlformats.org/officeDocument/2006/customXml" ds:itemID="{DD5EDAEF-B14A-4F89-93F6-900346F505C4}">
   <ds:schemaRefs>
     <ds:schemaRef ds:uri="a340aef7-832b-40a8-b4ba-ce4d8dbdbf60"/>
@@ -24357,16 +24017,6 @@
 </ds:datastoreItem>
 </file>
 
-<file path=customXml/itemProps2.xml><?xml version="1.0" encoding="utf-8"?>
-<ds:datastoreItem xmlns:ds="http://schemas.openxmlformats.org/officeDocument/2006/customXml" ds:itemID="{C4C5424E-11EC-453A-9C9B-9573452133F0}">
-  <ds:schemaRefs>
-    <ds:schemaRef ds:uri="http://schemas.microsoft.com/office/2006/metadata/properties"/>
-    <ds:schemaRef ds:uri="http://www.w3.org/2000/xmlns/"/>
-    <ds:schemaRef ds:uri="http://schemas.microsoft.com/office/infopath/2007/PartnerControls"/>
-  </ds:schemaRefs>
-</ds:datastoreItem>
-</file>
-
 <file path=customXml/itemProps3.xml><?xml version="1.0" encoding="utf-8"?>
 <ds:datastoreItem xmlns:ds="http://schemas.openxmlformats.org/officeDocument/2006/customXml" ds:itemID="{8657C9EE-D2EE-494C-90EA-7DB710EED5C9}">
   <ds:schemaRefs>
